--- a/icassp.pptx
+++ b/icassp.pptx
@@ -1685,16 +1685,8 @@
 </file>
 
 <file path=ppt/slideLayouts/slideLayout1.xml><?xml version="1.0" encoding="utf-8"?>
-<p:sldLayout xmlns:a="http://schemas.openxmlformats.org/drawingml/2006/main" xmlns:r="http://schemas.openxmlformats.org/officeDocument/2006/relationships" xmlns:p="http://schemas.openxmlformats.org/presentationml/2006/main" type="title" preserve="1">
+<p:sldLayout xmlns:a="http://schemas.openxmlformats.org/drawingml/2006/main" xmlns:r="http://schemas.openxmlformats.org/officeDocument/2006/relationships" xmlns:p="http://schemas.openxmlformats.org/presentationml/2006/main" showMasterSp="0" type="title" preserve="1">
   <p:cSld name="标题幻灯片">
-    <p:bg>
-      <p:bgPr>
-        <a:solidFill>
-          <a:schemeClr val="bg1"/>
-        </a:solidFill>
-        <a:effectLst/>
-      </p:bgPr>
-    </p:bg>
     <p:spTree>
       <p:nvGrpSpPr>
         <p:cNvPr id="1" name=""/>
@@ -1714,11 +1706,27 @@
   <p:clrMapOvr>
     <a:masterClrMapping/>
   </p:clrMapOvr>
+  <p:extLst>
+    <p:ext uri="{DCECCB84-F9BA-43D5-87BE-67443E8EF086}">
+      <p15:sldGuideLst xmlns:p15="http://schemas.microsoft.com/office/powerpoint/2012/main">
+        <p15:guide id="1" orient="horz" pos="2160" userDrawn="1">
+          <p15:clr>
+            <a:srgbClr val="FBAE40"/>
+          </p15:clr>
+        </p15:guide>
+        <p15:guide id="2" pos="3840" userDrawn="1">
+          <p15:clr>
+            <a:srgbClr val="FBAE40"/>
+          </p15:clr>
+        </p15:guide>
+      </p15:sldGuideLst>
+    </p:ext>
+  </p:extLst>
 </p:sldLayout>
 </file>
 
 <file path=ppt/slideLayouts/slideLayout2.xml><?xml version="1.0" encoding="utf-8"?>
-<p:sldLayout xmlns:a="http://schemas.openxmlformats.org/drawingml/2006/main" xmlns:r="http://schemas.openxmlformats.org/officeDocument/2006/relationships" xmlns:p="http://schemas.openxmlformats.org/presentationml/2006/main" type="vertTitleAndTx" preserve="1">
+<p:sldLayout xmlns:a="http://schemas.openxmlformats.org/drawingml/2006/main" xmlns:r="http://schemas.openxmlformats.org/officeDocument/2006/relationships" xmlns:p="http://schemas.openxmlformats.org/presentationml/2006/main" showMasterSp="0" type="vertTitleAndTx" preserve="1">
   <p:cSld name="竖排标题与文本">
     <p:spTree>
       <p:nvGrpSpPr>
@@ -1743,7 +1751,7 @@
 </file>
 
 <file path=ppt/slideLayouts/slideLayout3.xml><?xml version="1.0" encoding="utf-8"?>
-<p:sldLayout xmlns:a="http://schemas.openxmlformats.org/drawingml/2006/main" xmlns:r="http://schemas.openxmlformats.org/officeDocument/2006/relationships" xmlns:p="http://schemas.openxmlformats.org/presentationml/2006/main" preserve="1" userDrawn="1">
+<p:sldLayout xmlns:a="http://schemas.openxmlformats.org/drawingml/2006/main" xmlns:r="http://schemas.openxmlformats.org/officeDocument/2006/relationships" xmlns:p="http://schemas.openxmlformats.org/presentationml/2006/main" showMasterSp="0" preserve="1" userDrawn="1">
   <p:cSld name="内容">
     <p:spTree>
       <p:nvGrpSpPr>
@@ -1768,7 +1776,7 @@
 </file>
 
 <file path=ppt/slideLayouts/slideLayout4.xml><?xml version="1.0" encoding="utf-8"?>
-<p:sldLayout xmlns:a="http://schemas.openxmlformats.org/drawingml/2006/main" xmlns:r="http://schemas.openxmlformats.org/officeDocument/2006/relationships" xmlns:p="http://schemas.openxmlformats.org/presentationml/2006/main" preserve="1" userDrawn="1">
+<p:sldLayout xmlns:a="http://schemas.openxmlformats.org/drawingml/2006/main" xmlns:r="http://schemas.openxmlformats.org/officeDocument/2006/relationships" xmlns:p="http://schemas.openxmlformats.org/presentationml/2006/main" showMasterSp="0" preserve="1" userDrawn="1">
   <p:cSld name="末尾幻灯片">
     <p:spTree>
       <p:nvGrpSpPr>
@@ -1795,14 +1803,6 @@
 <file path=ppt/slideLayouts/slideLayout5.xml><?xml version="1.0" encoding="utf-8"?>
 <p:sldLayout xmlns:a="http://schemas.openxmlformats.org/drawingml/2006/main" xmlns:r="http://schemas.openxmlformats.org/officeDocument/2006/relationships" xmlns:p="http://schemas.openxmlformats.org/presentationml/2006/main" showMasterSp="0" preserve="1" userDrawn="1">
   <p:cSld name="Title Slide">
-    <p:bg>
-      <p:bgPr>
-        <a:solidFill>
-          <a:schemeClr val="bg1"/>
-        </a:solidFill>
-        <a:effectLst/>
-      </p:bgPr>
-    </p:bg>
     <p:spTree>
       <p:nvGrpSpPr>
         <p:cNvPr id="1" name=""/>
@@ -2018,7 +2018,7 @@
 </file>
 
 <file path=ppt/slideLayouts/slideLayout6.xml><?xml version="1.0" encoding="utf-8"?>
-<p:sldLayout xmlns:a="http://schemas.openxmlformats.org/drawingml/2006/main" xmlns:r="http://schemas.openxmlformats.org/officeDocument/2006/relationships" xmlns:p="http://schemas.openxmlformats.org/presentationml/2006/main" type="blank" preserve="1">
+<p:sldLayout xmlns:a="http://schemas.openxmlformats.org/drawingml/2006/main" xmlns:r="http://schemas.openxmlformats.org/officeDocument/2006/relationships" xmlns:p="http://schemas.openxmlformats.org/presentationml/2006/main" showMasterSp="0" type="blank" preserve="1">
   <p:cSld name="空白">
     <p:spTree>
       <p:nvGrpSpPr>
@@ -2109,7 +2109,7 @@
           </p:nvPr>
         </p:nvPicPr>
         <p:blipFill>
-          <a:blip r:embed="rId11">
+          <a:blip r:embed="rId10">
             <a:alphaModFix amt="40000"/>
             <a:lum bright="70000" contrast="-70000"/>
           </a:blip>
@@ -2121,38 +2121,6 @@
         <p:spPr>
           <a:xfrm>
             <a:off x="19685" y="1004570"/>
-            <a:ext cx="4947285" cy="5524500"/>
-          </a:xfrm>
-          <a:prstGeom prst="rect">
-            <a:avLst/>
-          </a:prstGeom>
-        </p:spPr>
-      </p:pic>
-      <p:pic>
-        <p:nvPicPr>
-          <p:cNvPr id="31" name="图片 30" descr="51miz-E819865-EA764E9B"/>
-          <p:cNvPicPr>
-            <a:picLocks noChangeAspect="1"/>
-          </p:cNvPicPr>
-          <p:nvPr userDrawn="1">
-            <p:custDataLst>
-              <p:tags r:id="rId10"/>
-            </p:custDataLst>
-          </p:nvPr>
-        </p:nvPicPr>
-        <p:blipFill>
-          <a:blip r:embed="rId11">
-            <a:alphaModFix amt="40000"/>
-            <a:lum bright="70000" contrast="-70000"/>
-          </a:blip>
-          <a:srcRect l="26269" t="17668"/>
-          <a:stretch>
-            <a:fillRect/>
-          </a:stretch>
-        </p:blipFill>
-        <p:spPr>
-          <a:xfrm>
-            <a:off x="0" y="1004570"/>
             <a:ext cx="4947285" cy="5524500"/>
           </a:xfrm>
           <a:prstGeom prst="rect">
@@ -2499,20 +2467,28 @@
       </a:lvl9pPr>
     </p:otherStyle>
   </p:txStyles>
+  <p:extLst>
+    <p:ext uri="{27BBF7A9-308A-43DC-89C8-2F10F3537804}">
+      <p15:sldGuideLst xmlns:p15="http://schemas.microsoft.com/office/powerpoint/2012/main">
+        <p15:guide id="1" orient="horz" pos="2160" userDrawn="1">
+          <p15:clr>
+            <a:srgbClr val="F26B43"/>
+          </p15:clr>
+        </p15:guide>
+        <p15:guide id="2" pos="3840" userDrawn="1">
+          <p15:clr>
+            <a:srgbClr val="F26B43"/>
+          </p15:clr>
+        </p15:guide>
+      </p15:sldGuideLst>
+    </p:ext>
+  </p:extLst>
 </p:sldMaster>
 </file>
 
 <file path=ppt/slides/slide1.xml><?xml version="1.0" encoding="utf-8"?>
-<p:sld xmlns:a="http://schemas.openxmlformats.org/drawingml/2006/main" xmlns:r="http://schemas.openxmlformats.org/officeDocument/2006/relationships" xmlns:p="http://schemas.openxmlformats.org/presentationml/2006/main">
+<p:sld xmlns:a="http://schemas.openxmlformats.org/drawingml/2006/main" xmlns:r="http://schemas.openxmlformats.org/officeDocument/2006/relationships" xmlns:p="http://schemas.openxmlformats.org/presentationml/2006/main" showMasterSp="0">
   <p:cSld>
-    <p:bg>
-      <p:bgPr>
-        <a:solidFill>
-          <a:schemeClr val="bg1"/>
-        </a:solidFill>
-        <a:effectLst/>
-      </p:bgPr>
-    </p:bg>
     <p:spTree>
       <p:nvGrpSpPr>
         <p:cNvPr id="1" name=""/>
@@ -3461,7 +3437,7 @@
 </file>
 
 <file path=ppt/slides/slide10.xml><?xml version="1.0" encoding="utf-8"?>
-<p:sld xmlns:a="http://schemas.openxmlformats.org/drawingml/2006/main" xmlns:r="http://schemas.openxmlformats.org/officeDocument/2006/relationships" xmlns:p="http://schemas.openxmlformats.org/presentationml/2006/main">
+<p:sld xmlns:a="http://schemas.openxmlformats.org/drawingml/2006/main" xmlns:r="http://schemas.openxmlformats.org/officeDocument/2006/relationships" xmlns:p="http://schemas.openxmlformats.org/presentationml/2006/main" showMasterSp="0">
   <p:cSld>
     <p:spTree>
       <p:nvGrpSpPr>
@@ -4605,7 +4581,7 @@
 </file>
 
 <file path=ppt/slides/slide11.xml><?xml version="1.0" encoding="utf-8"?>
-<p:sld xmlns:a="http://schemas.openxmlformats.org/drawingml/2006/main" xmlns:r="http://schemas.openxmlformats.org/officeDocument/2006/relationships" xmlns:p="http://schemas.openxmlformats.org/presentationml/2006/main">
+<p:sld xmlns:a="http://schemas.openxmlformats.org/drawingml/2006/main" xmlns:r="http://schemas.openxmlformats.org/officeDocument/2006/relationships" xmlns:p="http://schemas.openxmlformats.org/presentationml/2006/main" showMasterSp="0">
   <p:cSld>
     <p:spTree>
       <p:nvGrpSpPr>
@@ -5049,6 +5025,36 @@
           </a:prstGeom>
         </p:spPr>
       </p:pic>
+      <p:pic>
+        <p:nvPicPr>
+          <p:cNvPr id="5" name="Picture 4">
+            <a:extLst>
+              <a:ext uri="{FF2B5EF4-FFF2-40B4-BE49-F238E27FC236}">
+                <a16:creationId xmlns:a16="http://schemas.microsoft.com/office/drawing/2014/main" id="{234044FA-908F-7BEC-3885-0DCF07CEAD01}"/>
+              </a:ext>
+            </a:extLst>
+          </p:cNvPr>
+          <p:cNvPicPr>
+            <a:picLocks noChangeAspect="1"/>
+          </p:cNvPicPr>
+          <p:nvPr/>
+        </p:nvPicPr>
+        <p:blipFill>
+          <a:blip r:embed="rId13"/>
+          <a:stretch>
+            <a:fillRect/>
+          </a:stretch>
+        </p:blipFill>
+        <p:spPr>
+          <a:xfrm>
+            <a:off x="1518078" y="1612450"/>
+            <a:ext cx="9782240" cy="4417040"/>
+          </a:xfrm>
+          <a:prstGeom prst="rect">
+            <a:avLst/>
+          </a:prstGeom>
+        </p:spPr>
+      </p:pic>
     </p:spTree>
     <p:custDataLst>
       <p:tags r:id="rId1"/>
@@ -5066,7 +5072,7 @@
 </file>
 
 <file path=ppt/slides/slide12.xml><?xml version="1.0" encoding="utf-8"?>
-<p:sld xmlns:a="http://schemas.openxmlformats.org/drawingml/2006/main" xmlns:r="http://schemas.openxmlformats.org/officeDocument/2006/relationships" xmlns:p="http://schemas.openxmlformats.org/presentationml/2006/main">
+<p:sld xmlns:a="http://schemas.openxmlformats.org/drawingml/2006/main" xmlns:r="http://schemas.openxmlformats.org/officeDocument/2006/relationships" xmlns:p="http://schemas.openxmlformats.org/presentationml/2006/main" showMasterSp="0">
   <p:cSld>
     <p:spTree>
       <p:nvGrpSpPr>
@@ -5348,7 +5354,7 @@
 </file>
 
 <file path=ppt/slides/slide13.xml><?xml version="1.0" encoding="utf-8"?>
-<p:sld xmlns:a="http://schemas.openxmlformats.org/drawingml/2006/main" xmlns:r="http://schemas.openxmlformats.org/officeDocument/2006/relationships" xmlns:p="http://schemas.openxmlformats.org/presentationml/2006/main">
+<p:sld xmlns:a="http://schemas.openxmlformats.org/drawingml/2006/main" xmlns:r="http://schemas.openxmlformats.org/officeDocument/2006/relationships" xmlns:p="http://schemas.openxmlformats.org/presentationml/2006/main" showMasterSp="0">
   <p:cSld>
     <p:spTree>
       <p:nvGrpSpPr>
@@ -5632,7 +5638,7 @@
 </file>
 
 <file path=ppt/slides/slide14.xml><?xml version="1.0" encoding="utf-8"?>
-<p:sld xmlns:a="http://schemas.openxmlformats.org/drawingml/2006/main" xmlns:r="http://schemas.openxmlformats.org/officeDocument/2006/relationships" xmlns:p="http://schemas.openxmlformats.org/presentationml/2006/main">
+<p:sld xmlns:a="http://schemas.openxmlformats.org/drawingml/2006/main" xmlns:r="http://schemas.openxmlformats.org/officeDocument/2006/relationships" xmlns:p="http://schemas.openxmlformats.org/presentationml/2006/main" showMasterSp="0">
   <p:cSld>
     <p:spTree>
       <p:nvGrpSpPr>
@@ -5923,7 +5929,7 @@
 </file>
 
 <file path=ppt/slides/slide15.xml><?xml version="1.0" encoding="utf-8"?>
-<p:sld xmlns:a="http://schemas.openxmlformats.org/drawingml/2006/main" xmlns:r="http://schemas.openxmlformats.org/officeDocument/2006/relationships" xmlns:p="http://schemas.openxmlformats.org/presentationml/2006/main">
+<p:sld xmlns:a="http://schemas.openxmlformats.org/drawingml/2006/main" xmlns:r="http://schemas.openxmlformats.org/officeDocument/2006/relationships" xmlns:p="http://schemas.openxmlformats.org/presentationml/2006/main" showMasterSp="0">
   <p:cSld>
     <p:spTree>
       <p:nvGrpSpPr>
@@ -6051,16 +6057,8 @@
 </file>
 
 <file path=ppt/slides/slide2.xml><?xml version="1.0" encoding="utf-8"?>
-<p:sld xmlns:a="http://schemas.openxmlformats.org/drawingml/2006/main" xmlns:r="http://schemas.openxmlformats.org/officeDocument/2006/relationships" xmlns:p="http://schemas.openxmlformats.org/presentationml/2006/main">
+<p:sld xmlns:a="http://schemas.openxmlformats.org/drawingml/2006/main" xmlns:r="http://schemas.openxmlformats.org/officeDocument/2006/relationships" xmlns:p="http://schemas.openxmlformats.org/presentationml/2006/main" showMasterSp="0">
   <p:cSld>
-    <p:bg>
-      <p:bgPr>
-        <a:solidFill>
-          <a:schemeClr val="bg1"/>
-        </a:solidFill>
-        <a:effectLst/>
-      </p:bgPr>
-    </p:bg>
     <p:spTree>
       <p:nvGrpSpPr>
         <p:cNvPr id="1" name=""/>
@@ -6613,7 +6611,7 @@
 </file>
 
 <file path=ppt/slides/slide3.xml><?xml version="1.0" encoding="utf-8"?>
-<p:sld xmlns:a="http://schemas.openxmlformats.org/drawingml/2006/main" xmlns:r="http://schemas.openxmlformats.org/officeDocument/2006/relationships" xmlns:p="http://schemas.openxmlformats.org/presentationml/2006/main">
+<p:sld xmlns:a="http://schemas.openxmlformats.org/drawingml/2006/main" xmlns:r="http://schemas.openxmlformats.org/officeDocument/2006/relationships" xmlns:p="http://schemas.openxmlformats.org/presentationml/2006/main" showMasterSp="0">
   <p:cSld>
     <p:spTree>
       <p:nvGrpSpPr>
@@ -7074,7 +7072,7 @@
 </file>
 
 <file path=ppt/slides/slide4.xml><?xml version="1.0" encoding="utf-8"?>
-<p:sld xmlns:a="http://schemas.openxmlformats.org/drawingml/2006/main" xmlns:r="http://schemas.openxmlformats.org/officeDocument/2006/relationships" xmlns:p="http://schemas.openxmlformats.org/presentationml/2006/main">
+<p:sld xmlns:a="http://schemas.openxmlformats.org/drawingml/2006/main" xmlns:r="http://schemas.openxmlformats.org/officeDocument/2006/relationships" xmlns:p="http://schemas.openxmlformats.org/presentationml/2006/main" showMasterSp="0">
   <p:cSld>
     <p:spTree>
       <p:nvGrpSpPr>
@@ -7547,10 +7545,16 @@
               <a:buChar char="n"/>
             </a:pPr>
             <a:r>
+              <a:rPr lang="en-US" sz="2400">
+                <a:sym typeface="+mn-ea"/>
+              </a:rPr>
+              <a:t>Pre-trained model </a:t>
+            </a:r>
+            <a:r>
               <a:rPr lang="en-US" sz="2400" dirty="0">
                 <a:sym typeface="+mn-ea"/>
               </a:rPr>
-              <a:t>Pre-trained I3D model to extract RGB and optical flow features, which encompass a large quantity of redundant information irrelevant to the task.</a:t>
+              <a:t>to extract RGB and optical flow features, which encompass a large quantity of redundant information irrelevant to the task.</a:t>
             </a:r>
             <a:endParaRPr lang="en-US" altLang="en-US" sz="2400" dirty="0">
               <a:sym typeface="+mn-ea"/>
@@ -7575,7 +7579,7 @@
 </file>
 
 <file path=ppt/slides/slide5.xml><?xml version="1.0" encoding="utf-8"?>
-<p:sld xmlns:a="http://schemas.openxmlformats.org/drawingml/2006/main" xmlns:r="http://schemas.openxmlformats.org/officeDocument/2006/relationships" xmlns:p="http://schemas.openxmlformats.org/presentationml/2006/main">
+<p:sld xmlns:a="http://schemas.openxmlformats.org/drawingml/2006/main" xmlns:r="http://schemas.openxmlformats.org/officeDocument/2006/relationships" xmlns:p="http://schemas.openxmlformats.org/presentationml/2006/main" showMasterSp="0">
   <p:cSld>
     <p:spTree>
       <p:nvGrpSpPr>
@@ -7882,7 +7886,7 @@
 </file>
 
 <file path=ppt/slides/slide6.xml><?xml version="1.0" encoding="utf-8"?>
-<p:sld xmlns:a="http://schemas.openxmlformats.org/drawingml/2006/main" xmlns:r="http://schemas.openxmlformats.org/officeDocument/2006/relationships" xmlns:p="http://schemas.openxmlformats.org/presentationml/2006/main">
+<p:sld xmlns:a="http://schemas.openxmlformats.org/drawingml/2006/main" xmlns:r="http://schemas.openxmlformats.org/officeDocument/2006/relationships" xmlns:p="http://schemas.openxmlformats.org/presentationml/2006/main" showMasterSp="0">
   <p:cSld>
     <p:spTree>
       <p:nvGrpSpPr>
@@ -8217,7 +8221,7 @@
 </file>
 
 <file path=ppt/slides/slide7.xml><?xml version="1.0" encoding="utf-8"?>
-<p:sld xmlns:a="http://schemas.openxmlformats.org/drawingml/2006/main" xmlns:r="http://schemas.openxmlformats.org/officeDocument/2006/relationships" xmlns:p="http://schemas.openxmlformats.org/presentationml/2006/main">
+<p:sld xmlns:a="http://schemas.openxmlformats.org/drawingml/2006/main" xmlns:r="http://schemas.openxmlformats.org/officeDocument/2006/relationships" xmlns:p="http://schemas.openxmlformats.org/presentationml/2006/main" showMasterSp="0">
   <p:cSld>
     <p:spTree>
       <p:nvGrpSpPr>
@@ -8566,8 +8570,8 @@
           </a:p>
         </p:txBody>
       </p:sp>
-      <mc:AlternateContent xmlns:mc="http://schemas.openxmlformats.org/markup-compatibility/2006">
-        <mc:Choice xmlns:a14="http://schemas.microsoft.com/office/drawing/2010/main" Requires="a14">
+      <mc:AlternateContent xmlns:mc="http://schemas.openxmlformats.org/markup-compatibility/2006" xmlns:a14="http://schemas.microsoft.com/office/drawing/2010/main">
+        <mc:Choice Requires="a14">
           <p:sp>
             <p:nvSpPr>
               <p:cNvPr id="5" name="文本框 4">
@@ -8743,7 +8747,7 @@
             </p:txBody>
           </p:sp>
         </mc:Choice>
-        <mc:Fallback>
+        <mc:Fallback xmlns="">
           <p:sp>
             <p:nvSpPr>
               <p:cNvPr id="5" name="文本框 4">
@@ -9583,7 +9587,7 @@
 </file>
 
 <file path=ppt/slides/slide8.xml><?xml version="1.0" encoding="utf-8"?>
-<p:sld xmlns:a="http://schemas.openxmlformats.org/drawingml/2006/main" xmlns:r="http://schemas.openxmlformats.org/officeDocument/2006/relationships" xmlns:p="http://schemas.openxmlformats.org/presentationml/2006/main">
+<p:sld xmlns:a="http://schemas.openxmlformats.org/drawingml/2006/main" xmlns:r="http://schemas.openxmlformats.org/officeDocument/2006/relationships" xmlns:p="http://schemas.openxmlformats.org/presentationml/2006/main" showMasterSp="0">
   <p:cSld>
     <p:spTree>
       <p:nvGrpSpPr>
@@ -9932,8 +9936,8 @@
           </a:p>
         </p:txBody>
       </p:sp>
-      <mc:AlternateContent xmlns:mc="http://schemas.openxmlformats.org/markup-compatibility/2006">
-        <mc:Choice xmlns:a14="http://schemas.microsoft.com/office/drawing/2010/main" Requires="a14">
+      <mc:AlternateContent xmlns:mc="http://schemas.openxmlformats.org/markup-compatibility/2006" xmlns:a14="http://schemas.microsoft.com/office/drawing/2010/main">
+        <mc:Choice Requires="a14">
           <p:sp>
             <p:nvSpPr>
               <p:cNvPr id="5" name="文本框 4">
@@ -10152,7 +10156,7 @@
             </p:txBody>
           </p:sp>
         </mc:Choice>
-        <mc:Fallback>
+        <mc:Fallback xmlns="">
           <p:sp>
             <p:nvSpPr>
               <p:cNvPr id="5" name="文本框 4">
@@ -10612,7 +10616,7 @@
 </file>
 
 <file path=ppt/slides/slide9.xml><?xml version="1.0" encoding="utf-8"?>
-<p:sld xmlns:a="http://schemas.openxmlformats.org/drawingml/2006/main" xmlns:r="http://schemas.openxmlformats.org/officeDocument/2006/relationships" xmlns:p="http://schemas.openxmlformats.org/presentationml/2006/main">
+<p:sld xmlns:a="http://schemas.openxmlformats.org/drawingml/2006/main" xmlns:r="http://schemas.openxmlformats.org/officeDocument/2006/relationships" xmlns:p="http://schemas.openxmlformats.org/presentationml/2006/main" showMasterSp="0">
   <p:cSld>
     <p:spTree>
       <p:nvGrpSpPr>
@@ -11393,11 +11397,32 @@
 
 <file path=ppt/tags/tag10.xml><?xml version="1.0" encoding="utf-8"?>
 <p:tagLst xmlns:a="http://schemas.openxmlformats.org/drawingml/2006/main" xmlns:r="http://schemas.openxmlformats.org/officeDocument/2006/relationships" xmlns:p="http://schemas.openxmlformats.org/presentationml/2006/main">
+  <p:tag name="KSO_WM_SLIDE_ID" val="custom20205081_1"/>
+  <p:tag name="KSO_WM_TEMPLATE_SUBCATEGORY" val="19"/>
+  <p:tag name="KSO_WM_TEMPLATE_MASTER_TYPE" val="0"/>
+  <p:tag name="KSO_WM_TEMPLATE_COLOR_TYPE" val="1"/>
+  <p:tag name="KSO_WM_SLIDE_TYPE" val="title"/>
+  <p:tag name="KSO_WM_SLIDE_SUBTYPE" val="defaultBlank"/>
+  <p:tag name="KSO_WM_SLIDE_ITEM_CNT" val="0"/>
+  <p:tag name="KSO_WM_SLIDE_INDEX" val="1"/>
+  <p:tag name="KSO_WM_TAG_VERSION" val="1.0"/>
+  <p:tag name="KSO_WM_BEAUTIFY_FLAG" val="#wm#"/>
+  <p:tag name="KSO_WM_TEMPLATE_CATEGORY" val="custom"/>
+  <p:tag name="KSO_WM_TEMPLATE_INDEX" val="20205081"/>
+  <p:tag name="KSO_WM_SLIDE_LAYOUT" val="a_b"/>
+  <p:tag name="KSO_WM_SLIDE_LAYOUT_CNT" val="1_1"/>
+  <p:tag name="KSO_WM_UNIT_SHOW_EDIT_AREA_INDICATION" val="1"/>
+  <p:tag name="KSO_WM_TEMPLATE_THUMBS_INDEX" val="1、4、7、12、13、14、15、16、17、18、20、24、25、28、33、36、40、43、44"/>
+</p:tagLst>
+</file>
+
+<file path=ppt/tags/tag11.xml><?xml version="1.0" encoding="utf-8"?>
+<p:tagLst xmlns:a="http://schemas.openxmlformats.org/drawingml/2006/main" xmlns:r="http://schemas.openxmlformats.org/officeDocument/2006/relationships" xmlns:p="http://schemas.openxmlformats.org/presentationml/2006/main">
   <p:tag name="KSO_WM_BEAUTIFY_FLAG" val=""/>
 </p:tagLst>
 </file>
 
-<file path=ppt/tags/tag11.xml><?xml version="1.0" encoding="utf-8"?>
+<file path=ppt/tags/tag12.xml><?xml version="1.0" encoding="utf-8"?>
 <p:tagLst xmlns:a="http://schemas.openxmlformats.org/drawingml/2006/main" xmlns:r="http://schemas.openxmlformats.org/officeDocument/2006/relationships" xmlns:p="http://schemas.openxmlformats.org/presentationml/2006/main">
   <p:tag name="KSO_WM_SLIDE_ID" val="custom20205081_1"/>
   <p:tag name="KSO_WM_TEMPLATE_SUBCATEGORY" val="19"/>
@@ -11418,13 +11443,13 @@
 </p:tagLst>
 </file>
 
-<file path=ppt/tags/tag12.xml><?xml version="1.0" encoding="utf-8"?>
+<file path=ppt/tags/tag13.xml><?xml version="1.0" encoding="utf-8"?>
 <p:tagLst xmlns:a="http://schemas.openxmlformats.org/drawingml/2006/main" xmlns:r="http://schemas.openxmlformats.org/officeDocument/2006/relationships" xmlns:p="http://schemas.openxmlformats.org/presentationml/2006/main">
   <p:tag name="KSO_WM_BEAUTIFY_FLAG" val=""/>
 </p:tagLst>
 </file>
 
-<file path=ppt/tags/tag13.xml><?xml version="1.0" encoding="utf-8"?>
+<file path=ppt/tags/tag14.xml><?xml version="1.0" encoding="utf-8"?>
 <p:tagLst xmlns:a="http://schemas.openxmlformats.org/drawingml/2006/main" xmlns:r="http://schemas.openxmlformats.org/officeDocument/2006/relationships" xmlns:p="http://schemas.openxmlformats.org/presentationml/2006/main">
   <p:tag name="KSO_WM_SLIDE_ID" val="custom20205081_1"/>
   <p:tag name="KSO_WM_TEMPLATE_SUBCATEGORY" val="19"/>
@@ -11445,13 +11470,13 @@
 </p:tagLst>
 </file>
 
-<file path=ppt/tags/tag14.xml><?xml version="1.0" encoding="utf-8"?>
+<file path=ppt/tags/tag15.xml><?xml version="1.0" encoding="utf-8"?>
 <p:tagLst xmlns:a="http://schemas.openxmlformats.org/drawingml/2006/main" xmlns:r="http://schemas.openxmlformats.org/officeDocument/2006/relationships" xmlns:p="http://schemas.openxmlformats.org/presentationml/2006/main">
   <p:tag name="KSO_WM_BEAUTIFY_FLAG" val=""/>
 </p:tagLst>
 </file>
 
-<file path=ppt/tags/tag15.xml><?xml version="1.0" encoding="utf-8"?>
+<file path=ppt/tags/tag16.xml><?xml version="1.0" encoding="utf-8"?>
 <p:tagLst xmlns:a="http://schemas.openxmlformats.org/drawingml/2006/main" xmlns:r="http://schemas.openxmlformats.org/officeDocument/2006/relationships" xmlns:p="http://schemas.openxmlformats.org/presentationml/2006/main">
   <p:tag name="KSO_WM_SLIDE_ID" val="custom20205081_1"/>
   <p:tag name="KSO_WM_TEMPLATE_SUBCATEGORY" val="19"/>
@@ -11472,13 +11497,13 @@
 </p:tagLst>
 </file>
 
-<file path=ppt/tags/tag16.xml><?xml version="1.0" encoding="utf-8"?>
+<file path=ppt/tags/tag17.xml><?xml version="1.0" encoding="utf-8"?>
 <p:tagLst xmlns:a="http://schemas.openxmlformats.org/drawingml/2006/main" xmlns:r="http://schemas.openxmlformats.org/officeDocument/2006/relationships" xmlns:p="http://schemas.openxmlformats.org/presentationml/2006/main">
   <p:tag name="KSO_WM_BEAUTIFY_FLAG" val=""/>
 </p:tagLst>
 </file>
 
-<file path=ppt/tags/tag17.xml><?xml version="1.0" encoding="utf-8"?>
+<file path=ppt/tags/tag18.xml><?xml version="1.0" encoding="utf-8"?>
 <p:tagLst xmlns:a="http://schemas.openxmlformats.org/drawingml/2006/main" xmlns:r="http://schemas.openxmlformats.org/officeDocument/2006/relationships" xmlns:p="http://schemas.openxmlformats.org/presentationml/2006/main">
   <p:tag name="KSO_WM_SLIDE_ID" val="custom20205081_1"/>
   <p:tag name="KSO_WM_TEMPLATE_SUBCATEGORY" val="19"/>
@@ -11499,13 +11524,27 @@
 </p:tagLst>
 </file>
 
-<file path=ppt/tags/tag18.xml><?xml version="1.0" encoding="utf-8"?>
+<file path=ppt/tags/tag19.xml><?xml version="1.0" encoding="utf-8"?>
 <p:tagLst xmlns:a="http://schemas.openxmlformats.org/drawingml/2006/main" xmlns:r="http://schemas.openxmlformats.org/officeDocument/2006/relationships" xmlns:p="http://schemas.openxmlformats.org/presentationml/2006/main">
   <p:tag name="KSO_WM_BEAUTIFY_FLAG" val=""/>
 </p:tagLst>
 </file>
 
-<file path=ppt/tags/tag19.xml><?xml version="1.0" encoding="utf-8"?>
+<file path=ppt/tags/tag2.xml><?xml version="1.0" encoding="utf-8"?>
+<p:tagLst xmlns:a="http://schemas.openxmlformats.org/drawingml/2006/main" xmlns:r="http://schemas.openxmlformats.org/officeDocument/2006/relationships" xmlns:p="http://schemas.openxmlformats.org/presentationml/2006/main">
+  <p:tag name="KSO_WM_TEMPLATE_THUMBS_INDEX" val="1、4、7、12、13、14、15、16、17、18、20、24、25、28、33、36、40、43、44"/>
+  <p:tag name="KSO_WM_TEMPLATE_SUBCATEGORY" val="19"/>
+  <p:tag name="KSO_WM_TAG_VERSION" val="1.0"/>
+  <p:tag name="KSO_WM_BEAUTIFY_FLAG" val="#wm#"/>
+  <p:tag name="KSO_WM_TEMPLATE_CATEGORY" val="custom"/>
+  <p:tag name="KSO_WM_TEMPLATE_INDEX" val="20205081"/>
+  <p:tag name="KSO_WM_TEMPLATE_MASTER_TYPE" val="0"/>
+  <p:tag name="KSO_WM_TEMPLATE_COLOR_TYPE" val="1"/>
+  <p:tag name="KSO_WM_UNIT_SHOW_EDIT_AREA_INDICATION" val="1"/>
+</p:tagLst>
+</file>
+
+<file path=ppt/tags/tag20.xml><?xml version="1.0" encoding="utf-8"?>
 <p:tagLst xmlns:a="http://schemas.openxmlformats.org/drawingml/2006/main" xmlns:r="http://schemas.openxmlformats.org/officeDocument/2006/relationships" xmlns:p="http://schemas.openxmlformats.org/presentationml/2006/main">
   <p:tag name="KSO_WM_SLIDE_ID" val="custom20205081_1"/>
   <p:tag name="KSO_WM_TEMPLATE_SUBCATEGORY" val="19"/>
@@ -11526,27 +11565,13 @@
 </p:tagLst>
 </file>
 
-<file path=ppt/tags/tag2.xml><?xml version="1.0" encoding="utf-8"?>
-<p:tagLst xmlns:a="http://schemas.openxmlformats.org/drawingml/2006/main" xmlns:r="http://schemas.openxmlformats.org/officeDocument/2006/relationships" xmlns:p="http://schemas.openxmlformats.org/presentationml/2006/main">
-  <p:tag name="KSO_WM_TEMPLATE_THUMBS_INDEX" val="1、4、7、12、13、14、15、16、17、18、20、24、25、28、33、36、40、43、44"/>
-  <p:tag name="KSO_WM_TEMPLATE_SUBCATEGORY" val="19"/>
-  <p:tag name="KSO_WM_TAG_VERSION" val="1.0"/>
-  <p:tag name="KSO_WM_BEAUTIFY_FLAG" val="#wm#"/>
-  <p:tag name="KSO_WM_TEMPLATE_CATEGORY" val="custom"/>
-  <p:tag name="KSO_WM_TEMPLATE_INDEX" val="20205081"/>
-  <p:tag name="KSO_WM_TEMPLATE_MASTER_TYPE" val="0"/>
-  <p:tag name="KSO_WM_TEMPLATE_COLOR_TYPE" val="1"/>
-  <p:tag name="KSO_WM_UNIT_SHOW_EDIT_AREA_INDICATION" val="1"/>
-</p:tagLst>
-</file>
-
-<file path=ppt/tags/tag20.xml><?xml version="1.0" encoding="utf-8"?>
+<file path=ppt/tags/tag21.xml><?xml version="1.0" encoding="utf-8"?>
 <p:tagLst xmlns:a="http://schemas.openxmlformats.org/drawingml/2006/main" xmlns:r="http://schemas.openxmlformats.org/officeDocument/2006/relationships" xmlns:p="http://schemas.openxmlformats.org/presentationml/2006/main">
   <p:tag name="KSO_WM_BEAUTIFY_FLAG" val=""/>
 </p:tagLst>
 </file>
 
-<file path=ppt/tags/tag21.xml><?xml version="1.0" encoding="utf-8"?>
+<file path=ppt/tags/tag22.xml><?xml version="1.0" encoding="utf-8"?>
 <p:tagLst xmlns:a="http://schemas.openxmlformats.org/drawingml/2006/main" xmlns:r="http://schemas.openxmlformats.org/officeDocument/2006/relationships" xmlns:p="http://schemas.openxmlformats.org/presentationml/2006/main">
   <p:tag name="KSO_WM_SLIDE_ID" val="custom20205081_1"/>
   <p:tag name="KSO_WM_TEMPLATE_SUBCATEGORY" val="19"/>
@@ -11567,13 +11592,13 @@
 </p:tagLst>
 </file>
 
-<file path=ppt/tags/tag22.xml><?xml version="1.0" encoding="utf-8"?>
+<file path=ppt/tags/tag23.xml><?xml version="1.0" encoding="utf-8"?>
 <p:tagLst xmlns:a="http://schemas.openxmlformats.org/drawingml/2006/main" xmlns:r="http://schemas.openxmlformats.org/officeDocument/2006/relationships" xmlns:p="http://schemas.openxmlformats.org/presentationml/2006/main">
   <p:tag name="KSO_WM_BEAUTIFY_FLAG" val=""/>
 </p:tagLst>
 </file>
 
-<file path=ppt/tags/tag23.xml><?xml version="1.0" encoding="utf-8"?>
+<file path=ppt/tags/tag24.xml><?xml version="1.0" encoding="utf-8"?>
 <p:tagLst xmlns:a="http://schemas.openxmlformats.org/drawingml/2006/main" xmlns:r="http://schemas.openxmlformats.org/officeDocument/2006/relationships" xmlns:p="http://schemas.openxmlformats.org/presentationml/2006/main">
   <p:tag name="KSO_WM_SLIDE_ID" val="custom20205081_1"/>
   <p:tag name="KSO_WM_TEMPLATE_SUBCATEGORY" val="19"/>
@@ -11594,13 +11619,13 @@
 </p:tagLst>
 </file>
 
-<file path=ppt/tags/tag24.xml><?xml version="1.0" encoding="utf-8"?>
+<file path=ppt/tags/tag25.xml><?xml version="1.0" encoding="utf-8"?>
 <p:tagLst xmlns:a="http://schemas.openxmlformats.org/drawingml/2006/main" xmlns:r="http://schemas.openxmlformats.org/officeDocument/2006/relationships" xmlns:p="http://schemas.openxmlformats.org/presentationml/2006/main">
   <p:tag name="KSO_WM_BEAUTIFY_FLAG" val=""/>
 </p:tagLst>
 </file>
 
-<file path=ppt/tags/tag25.xml><?xml version="1.0" encoding="utf-8"?>
+<file path=ppt/tags/tag26.xml><?xml version="1.0" encoding="utf-8"?>
 <p:tagLst xmlns:a="http://schemas.openxmlformats.org/drawingml/2006/main" xmlns:r="http://schemas.openxmlformats.org/officeDocument/2006/relationships" xmlns:p="http://schemas.openxmlformats.org/presentationml/2006/main">
   <p:tag name="KSO_WM_SLIDE_ID" val="custom20205081_1"/>
   <p:tag name="KSO_WM_TEMPLATE_SUBCATEGORY" val="19"/>
@@ -11621,13 +11646,13 @@
 </p:tagLst>
 </file>
 
-<file path=ppt/tags/tag26.xml><?xml version="1.0" encoding="utf-8"?>
+<file path=ppt/tags/tag27.xml><?xml version="1.0" encoding="utf-8"?>
 <p:tagLst xmlns:a="http://schemas.openxmlformats.org/drawingml/2006/main" xmlns:r="http://schemas.openxmlformats.org/officeDocument/2006/relationships" xmlns:p="http://schemas.openxmlformats.org/presentationml/2006/main">
   <p:tag name="KSO_WM_BEAUTIFY_FLAG" val=""/>
 </p:tagLst>
 </file>
 
-<file path=ppt/tags/tag27.xml><?xml version="1.0" encoding="utf-8"?>
+<file path=ppt/tags/tag28.xml><?xml version="1.0" encoding="utf-8"?>
 <p:tagLst xmlns:a="http://schemas.openxmlformats.org/drawingml/2006/main" xmlns:r="http://schemas.openxmlformats.org/officeDocument/2006/relationships" xmlns:p="http://schemas.openxmlformats.org/presentationml/2006/main">
   <p:tag name="KSO_WM_SLIDE_ID" val="custom20205081_1"/>
   <p:tag name="KSO_WM_TEMPLATE_SUBCATEGORY" val="19"/>
@@ -11648,13 +11673,19 @@
 </p:tagLst>
 </file>
 
-<file path=ppt/tags/tag28.xml><?xml version="1.0" encoding="utf-8"?>
+<file path=ppt/tags/tag29.xml><?xml version="1.0" encoding="utf-8"?>
 <p:tagLst xmlns:a="http://schemas.openxmlformats.org/drawingml/2006/main" xmlns:r="http://schemas.openxmlformats.org/officeDocument/2006/relationships" xmlns:p="http://schemas.openxmlformats.org/presentationml/2006/main">
   <p:tag name="KSO_WM_BEAUTIFY_FLAG" val=""/>
 </p:tagLst>
 </file>
 
-<file path=ppt/tags/tag29.xml><?xml version="1.0" encoding="utf-8"?>
+<file path=ppt/tags/tag3.xml><?xml version="1.0" encoding="utf-8"?>
+<p:tagLst xmlns:a="http://schemas.openxmlformats.org/drawingml/2006/main" xmlns:r="http://schemas.openxmlformats.org/officeDocument/2006/relationships" xmlns:p="http://schemas.openxmlformats.org/presentationml/2006/main">
+  <p:tag name="KSO_WM_BEAUTIFY_FLAG" val=""/>
+</p:tagLst>
+</file>
+
+<file path=ppt/tags/tag30.xml><?xml version="1.0" encoding="utf-8"?>
 <p:tagLst xmlns:a="http://schemas.openxmlformats.org/drawingml/2006/main" xmlns:r="http://schemas.openxmlformats.org/officeDocument/2006/relationships" xmlns:p="http://schemas.openxmlformats.org/presentationml/2006/main">
   <p:tag name="KSO_WM_SLIDE_ID" val="custom20205081_1"/>
   <p:tag name="KSO_WM_TEMPLATE_SUBCATEGORY" val="19"/>
@@ -11675,19 +11706,13 @@
 </p:tagLst>
 </file>
 
-<file path=ppt/tags/tag3.xml><?xml version="1.0" encoding="utf-8"?>
+<file path=ppt/tags/tag31.xml><?xml version="1.0" encoding="utf-8"?>
 <p:tagLst xmlns:a="http://schemas.openxmlformats.org/drawingml/2006/main" xmlns:r="http://schemas.openxmlformats.org/officeDocument/2006/relationships" xmlns:p="http://schemas.openxmlformats.org/presentationml/2006/main">
   <p:tag name="KSO_WM_BEAUTIFY_FLAG" val=""/>
 </p:tagLst>
 </file>
 
-<file path=ppt/tags/tag30.xml><?xml version="1.0" encoding="utf-8"?>
-<p:tagLst xmlns:a="http://schemas.openxmlformats.org/drawingml/2006/main" xmlns:r="http://schemas.openxmlformats.org/officeDocument/2006/relationships" xmlns:p="http://schemas.openxmlformats.org/presentationml/2006/main">
-  <p:tag name="KSO_WM_BEAUTIFY_FLAG" val=""/>
-</p:tagLst>
-</file>
-
-<file path=ppt/tags/tag31.xml><?xml version="1.0" encoding="utf-8"?>
+<file path=ppt/tags/tag4.xml><?xml version="1.0" encoding="utf-8"?>
 <p:tagLst xmlns:a="http://schemas.openxmlformats.org/drawingml/2006/main" xmlns:r="http://schemas.openxmlformats.org/officeDocument/2006/relationships" xmlns:p="http://schemas.openxmlformats.org/presentationml/2006/main">
   <p:tag name="KSO_WM_SLIDE_ID" val="custom20205081_1"/>
   <p:tag name="KSO_WM_TEMPLATE_SUBCATEGORY" val="19"/>
@@ -11705,18 +11730,6 @@
   <p:tag name="KSO_WM_SLIDE_LAYOUT_CNT" val="1_1"/>
   <p:tag name="KSO_WM_UNIT_SHOW_EDIT_AREA_INDICATION" val="1"/>
   <p:tag name="KSO_WM_TEMPLATE_THUMBS_INDEX" val="1、4、7、12、13、14、15、16、17、18、20、24、25、28、33、36、40、43、44"/>
-</p:tagLst>
-</file>
-
-<file path=ppt/tags/tag32.xml><?xml version="1.0" encoding="utf-8"?>
-<p:tagLst xmlns:a="http://schemas.openxmlformats.org/drawingml/2006/main" xmlns:r="http://schemas.openxmlformats.org/officeDocument/2006/relationships" xmlns:p="http://schemas.openxmlformats.org/presentationml/2006/main">
-  <p:tag name="KSO_WM_BEAUTIFY_FLAG" val=""/>
-</p:tagLst>
-</file>
-
-<file path=ppt/tags/tag4.xml><?xml version="1.0" encoding="utf-8"?>
-<p:tagLst xmlns:a="http://schemas.openxmlformats.org/drawingml/2006/main" xmlns:r="http://schemas.openxmlformats.org/officeDocument/2006/relationships" xmlns:p="http://schemas.openxmlformats.org/presentationml/2006/main">
-  <p:tag name="KSO_WM_BEAUTIFY_FLAG" val=""/>
 </p:tagLst>
 </file>
 
@@ -11743,6 +11756,12 @@
 
 <file path=ppt/tags/tag6.xml><?xml version="1.0" encoding="utf-8"?>
 <p:tagLst xmlns:a="http://schemas.openxmlformats.org/drawingml/2006/main" xmlns:r="http://schemas.openxmlformats.org/officeDocument/2006/relationships" xmlns:p="http://schemas.openxmlformats.org/presentationml/2006/main">
+  <p:tag name="KSO_WM_BEAUTIFY_FLAG" val=""/>
+</p:tagLst>
+</file>
+
+<file path=ppt/tags/tag7.xml><?xml version="1.0" encoding="utf-8"?>
+<p:tagLst xmlns:a="http://schemas.openxmlformats.org/drawingml/2006/main" xmlns:r="http://schemas.openxmlformats.org/officeDocument/2006/relationships" xmlns:p="http://schemas.openxmlformats.org/presentationml/2006/main">
   <p:tag name="KSO_WM_SLIDE_ID" val="custom20205081_1"/>
   <p:tag name="KSO_WM_TEMPLATE_SUBCATEGORY" val="19"/>
   <p:tag name="KSO_WM_TEMPLATE_MASTER_TYPE" val="0"/>
@@ -11762,30 +11781,9 @@
 </p:tagLst>
 </file>
 
-<file path=ppt/tags/tag7.xml><?xml version="1.0" encoding="utf-8"?>
+<file path=ppt/tags/tag8.xml><?xml version="1.0" encoding="utf-8"?>
 <p:tagLst xmlns:a="http://schemas.openxmlformats.org/drawingml/2006/main" xmlns:r="http://schemas.openxmlformats.org/officeDocument/2006/relationships" xmlns:p="http://schemas.openxmlformats.org/presentationml/2006/main">
   <p:tag name="KSO_WM_BEAUTIFY_FLAG" val=""/>
-</p:tagLst>
-</file>
-
-<file path=ppt/tags/tag8.xml><?xml version="1.0" encoding="utf-8"?>
-<p:tagLst xmlns:a="http://schemas.openxmlformats.org/drawingml/2006/main" xmlns:r="http://schemas.openxmlformats.org/officeDocument/2006/relationships" xmlns:p="http://schemas.openxmlformats.org/presentationml/2006/main">
-  <p:tag name="KSO_WM_SLIDE_ID" val="custom20205081_1"/>
-  <p:tag name="KSO_WM_TEMPLATE_SUBCATEGORY" val="19"/>
-  <p:tag name="KSO_WM_TEMPLATE_MASTER_TYPE" val="0"/>
-  <p:tag name="KSO_WM_TEMPLATE_COLOR_TYPE" val="1"/>
-  <p:tag name="KSO_WM_SLIDE_TYPE" val="title"/>
-  <p:tag name="KSO_WM_SLIDE_SUBTYPE" val="defaultBlank"/>
-  <p:tag name="KSO_WM_SLIDE_ITEM_CNT" val="0"/>
-  <p:tag name="KSO_WM_SLIDE_INDEX" val="1"/>
-  <p:tag name="KSO_WM_TAG_VERSION" val="1.0"/>
-  <p:tag name="KSO_WM_BEAUTIFY_FLAG" val="#wm#"/>
-  <p:tag name="KSO_WM_TEMPLATE_CATEGORY" val="custom"/>
-  <p:tag name="KSO_WM_TEMPLATE_INDEX" val="20205081"/>
-  <p:tag name="KSO_WM_SLIDE_LAYOUT" val="a_b"/>
-  <p:tag name="KSO_WM_SLIDE_LAYOUT_CNT" val="1_1"/>
-  <p:tag name="KSO_WM_UNIT_SHOW_EDIT_AREA_INDICATION" val="1"/>
-  <p:tag name="KSO_WM_TEMPLATE_THUMBS_INDEX" val="1、4、7、12、13、14、15、16、17、18、20、24、25、28、33、36、40、43、44"/>
 </p:tagLst>
 </file>
 
